--- a/Images/Instruction_Screen_Prod.pptx
+++ b/Images/Instruction_Screen_Prod.pptx
@@ -104,6 +104,11 @@
       </a:defRPr>
     </a:lvl9pPr>
   </p:defaultTextStyle>
+  <p:extLst>
+    <p:ext uri="{EFAFB233-063F-42B5-8137-9DF3F51BA10A}">
+      <p15:sldGuideLst xmlns:p15="http://schemas.microsoft.com/office/powerpoint/2012/main"/>
+    </p:ext>
+  </p:extLst>
 </p:presentation>
 </file>
 
@@ -238,7 +243,7 @@
           <a:p>
             <a:fld id="{195A5C98-B522-41E1-B542-F2D678B8A3D7}" type="datetimeFigureOut">
               <a:rPr lang="en-US" smtClean="0"/>
-              <a:t>1/17/2019</a:t>
+              <a:t>2/13/2019</a:t>
             </a:fld>
             <a:endParaRPr lang="en-US"/>
           </a:p>
@@ -408,7 +413,7 @@
           <a:p>
             <a:fld id="{195A5C98-B522-41E1-B542-F2D678B8A3D7}" type="datetimeFigureOut">
               <a:rPr lang="en-US" smtClean="0"/>
-              <a:t>1/17/2019</a:t>
+              <a:t>2/13/2019</a:t>
             </a:fld>
             <a:endParaRPr lang="en-US"/>
           </a:p>
@@ -588,7 +593,7 @@
           <a:p>
             <a:fld id="{195A5C98-B522-41E1-B542-F2D678B8A3D7}" type="datetimeFigureOut">
               <a:rPr lang="en-US" smtClean="0"/>
-              <a:t>1/17/2019</a:t>
+              <a:t>2/13/2019</a:t>
             </a:fld>
             <a:endParaRPr lang="en-US"/>
           </a:p>
@@ -758,7 +763,7 @@
           <a:p>
             <a:fld id="{195A5C98-B522-41E1-B542-F2D678B8A3D7}" type="datetimeFigureOut">
               <a:rPr lang="en-US" smtClean="0"/>
-              <a:t>1/17/2019</a:t>
+              <a:t>2/13/2019</a:t>
             </a:fld>
             <a:endParaRPr lang="en-US"/>
           </a:p>
@@ -1004,7 +1009,7 @@
           <a:p>
             <a:fld id="{195A5C98-B522-41E1-B542-F2D678B8A3D7}" type="datetimeFigureOut">
               <a:rPr lang="en-US" smtClean="0"/>
-              <a:t>1/17/2019</a:t>
+              <a:t>2/13/2019</a:t>
             </a:fld>
             <a:endParaRPr lang="en-US"/>
           </a:p>
@@ -1236,7 +1241,7 @@
           <a:p>
             <a:fld id="{195A5C98-B522-41E1-B542-F2D678B8A3D7}" type="datetimeFigureOut">
               <a:rPr lang="en-US" smtClean="0"/>
-              <a:t>1/17/2019</a:t>
+              <a:t>2/13/2019</a:t>
             </a:fld>
             <a:endParaRPr lang="en-US"/>
           </a:p>
@@ -1603,7 +1608,7 @@
           <a:p>
             <a:fld id="{195A5C98-B522-41E1-B542-F2D678B8A3D7}" type="datetimeFigureOut">
               <a:rPr lang="en-US" smtClean="0"/>
-              <a:t>1/17/2019</a:t>
+              <a:t>2/13/2019</a:t>
             </a:fld>
             <a:endParaRPr lang="en-US"/>
           </a:p>
@@ -1721,7 +1726,7 @@
           <a:p>
             <a:fld id="{195A5C98-B522-41E1-B542-F2D678B8A3D7}" type="datetimeFigureOut">
               <a:rPr lang="en-US" smtClean="0"/>
-              <a:t>1/17/2019</a:t>
+              <a:t>2/13/2019</a:t>
             </a:fld>
             <a:endParaRPr lang="en-US"/>
           </a:p>
@@ -1816,7 +1821,7 @@
           <a:p>
             <a:fld id="{195A5C98-B522-41E1-B542-F2D678B8A3D7}" type="datetimeFigureOut">
               <a:rPr lang="en-US" smtClean="0"/>
-              <a:t>1/17/2019</a:t>
+              <a:t>2/13/2019</a:t>
             </a:fld>
             <a:endParaRPr lang="en-US"/>
           </a:p>
@@ -2093,7 +2098,7 @@
           <a:p>
             <a:fld id="{195A5C98-B522-41E1-B542-F2D678B8A3D7}" type="datetimeFigureOut">
               <a:rPr lang="en-US" smtClean="0"/>
-              <a:t>1/17/2019</a:t>
+              <a:t>2/13/2019</a:t>
             </a:fld>
             <a:endParaRPr lang="en-US"/>
           </a:p>
@@ -2346,7 +2351,7 @@
           <a:p>
             <a:fld id="{195A5C98-B522-41E1-B542-F2D678B8A3D7}" type="datetimeFigureOut">
               <a:rPr lang="en-US" smtClean="0"/>
-              <a:t>1/17/2019</a:t>
+              <a:t>2/13/2019</a:t>
             </a:fld>
             <a:endParaRPr lang="en-US"/>
           </a:p>
@@ -2559,7 +2564,7 @@
           <a:p>
             <a:fld id="{195A5C98-B522-41E1-B542-F2D678B8A3D7}" type="datetimeFigureOut">
               <a:rPr lang="en-US" smtClean="0"/>
-              <a:t>1/17/2019</a:t>
+              <a:t>2/13/2019</a:t>
             </a:fld>
             <a:endParaRPr lang="en-US"/>
           </a:p>
@@ -3024,18 +3029,18 @@
               <a:t>The </a:t>
             </a:r>
             <a:r>
-              <a:rPr lang="nb-NO" sz="2400" dirty="0" err="1" smtClean="0">
-                <a:latin typeface="Arial" panose="020B0604020202020204" pitchFamily="34" charset="0"/>
-                <a:cs typeface="Arial" panose="020B0604020202020204" pitchFamily="34" charset="0"/>
-              </a:rPr>
-              <a:t>Lub</a:t>
+              <a:rPr lang="nb-NO" sz="2400" smtClean="0">
+                <a:latin typeface="Arial" panose="020B0604020202020204" pitchFamily="34" charset="0"/>
+                <a:cs typeface="Arial" panose="020B0604020202020204" pitchFamily="34" charset="0"/>
+              </a:rPr>
+              <a:t>Lup </a:t>
             </a:r>
             <a:r>
               <a:rPr lang="nb-NO" sz="2400" dirty="0" smtClean="0">
                 <a:latin typeface="Arial" panose="020B0604020202020204" pitchFamily="34" charset="0"/>
                 <a:cs typeface="Arial" panose="020B0604020202020204" pitchFamily="34" charset="0"/>
               </a:rPr>
-              <a:t> is </a:t>
+              <a:t>is </a:t>
             </a:r>
             <a:r>
               <a:rPr lang="nb-NO" sz="2400" dirty="0" err="1" smtClean="0">
@@ -3479,14 +3484,7 @@
                 <a:latin typeface="Arial" panose="020B0604020202020204" pitchFamily="34" charset="0"/>
                 <a:cs typeface="Arial" panose="020B0604020202020204" pitchFamily="34" charset="0"/>
               </a:rPr>
-              <a:t> plural </a:t>
-            </a:r>
-            <a:r>
-              <a:rPr lang="nb-NO" sz="2400" smtClean="0">
-                <a:latin typeface="Arial" panose="020B0604020202020204" pitchFamily="34" charset="0"/>
-                <a:cs typeface="Arial" panose="020B0604020202020204" pitchFamily="34" charset="0"/>
-              </a:rPr>
-              <a:t>or singular.</a:t>
+              <a:t> plural or singular.</a:t>
             </a:r>
           </a:p>
           <a:p>
